--- a/Project/Project Design.pptx
+++ b/Project/Project Design.pptx
@@ -206,7 +206,7 @@
           <a:p>
             <a:fld id="{E04E5C99-8ED6-4B4B-9559-9E93F6E86A3C}" type="datetimeFigureOut">
               <a:rPr lang="LID4096" smtClean="0"/>
-              <a:t>08/27/2020</a:t>
+              <a:t>04/28/2021</a:t>
             </a:fld>
             <a:endParaRPr lang="LID4096"/>
           </a:p>
@@ -794,7 +794,7 @@
           <a:p>
             <a:fld id="{77257F9A-95E0-45A8-A66F-07C2ED2FD12A}" type="datetimeFigureOut">
               <a:rPr lang="he-IL" smtClean="0"/>
-              <a:t>ז'/אלול/תש"ף</a:t>
+              <a:t>ט"ז/אייר/תשפ"א</a:t>
             </a:fld>
             <a:endParaRPr lang="he-IL"/>
           </a:p>
@@ -964,7 +964,7 @@
           <a:p>
             <a:fld id="{77257F9A-95E0-45A8-A66F-07C2ED2FD12A}" type="datetimeFigureOut">
               <a:rPr lang="he-IL" smtClean="0"/>
-              <a:t>ז'/אלול/תש"ף</a:t>
+              <a:t>ט"ז/אייר/תשפ"א</a:t>
             </a:fld>
             <a:endParaRPr lang="he-IL"/>
           </a:p>
@@ -1144,7 +1144,7 @@
           <a:p>
             <a:fld id="{77257F9A-95E0-45A8-A66F-07C2ED2FD12A}" type="datetimeFigureOut">
               <a:rPr lang="he-IL" smtClean="0"/>
-              <a:t>ז'/אלול/תש"ף</a:t>
+              <a:t>ט"ז/אייר/תשפ"א</a:t>
             </a:fld>
             <a:endParaRPr lang="he-IL"/>
           </a:p>
@@ -1314,7 +1314,7 @@
           <a:p>
             <a:fld id="{77257F9A-95E0-45A8-A66F-07C2ED2FD12A}" type="datetimeFigureOut">
               <a:rPr lang="he-IL" smtClean="0"/>
-              <a:t>ז'/אלול/תש"ף</a:t>
+              <a:t>ט"ז/אייר/תשפ"א</a:t>
             </a:fld>
             <a:endParaRPr lang="he-IL"/>
           </a:p>
@@ -1560,7 +1560,7 @@
           <a:p>
             <a:fld id="{77257F9A-95E0-45A8-A66F-07C2ED2FD12A}" type="datetimeFigureOut">
               <a:rPr lang="he-IL" smtClean="0"/>
-              <a:t>ז'/אלול/תש"ף</a:t>
+              <a:t>ט"ז/אייר/תשפ"א</a:t>
             </a:fld>
             <a:endParaRPr lang="he-IL"/>
           </a:p>
@@ -1792,7 +1792,7 @@
           <a:p>
             <a:fld id="{77257F9A-95E0-45A8-A66F-07C2ED2FD12A}" type="datetimeFigureOut">
               <a:rPr lang="he-IL" smtClean="0"/>
-              <a:t>ז'/אלול/תש"ף</a:t>
+              <a:t>ט"ז/אייר/תשפ"א</a:t>
             </a:fld>
             <a:endParaRPr lang="he-IL"/>
           </a:p>
@@ -2159,7 +2159,7 @@
           <a:p>
             <a:fld id="{77257F9A-95E0-45A8-A66F-07C2ED2FD12A}" type="datetimeFigureOut">
               <a:rPr lang="he-IL" smtClean="0"/>
-              <a:t>ז'/אלול/תש"ף</a:t>
+              <a:t>ט"ז/אייר/תשפ"א</a:t>
             </a:fld>
             <a:endParaRPr lang="he-IL"/>
           </a:p>
@@ -2277,7 +2277,7 @@
           <a:p>
             <a:fld id="{77257F9A-95E0-45A8-A66F-07C2ED2FD12A}" type="datetimeFigureOut">
               <a:rPr lang="he-IL" smtClean="0"/>
-              <a:t>ז'/אלול/תש"ף</a:t>
+              <a:t>ט"ז/אייר/תשפ"א</a:t>
             </a:fld>
             <a:endParaRPr lang="he-IL"/>
           </a:p>
@@ -2372,7 +2372,7 @@
           <a:p>
             <a:fld id="{77257F9A-95E0-45A8-A66F-07C2ED2FD12A}" type="datetimeFigureOut">
               <a:rPr lang="he-IL" smtClean="0"/>
-              <a:t>ז'/אלול/תש"ף</a:t>
+              <a:t>ט"ז/אייר/תשפ"א</a:t>
             </a:fld>
             <a:endParaRPr lang="he-IL"/>
           </a:p>
@@ -2649,7 +2649,7 @@
           <a:p>
             <a:fld id="{77257F9A-95E0-45A8-A66F-07C2ED2FD12A}" type="datetimeFigureOut">
               <a:rPr lang="he-IL" smtClean="0"/>
-              <a:t>ז'/אלול/תש"ף</a:t>
+              <a:t>ט"ז/אייר/תשפ"א</a:t>
             </a:fld>
             <a:endParaRPr lang="he-IL"/>
           </a:p>
@@ -2906,7 +2906,7 @@
           <a:p>
             <a:fld id="{77257F9A-95E0-45A8-A66F-07C2ED2FD12A}" type="datetimeFigureOut">
               <a:rPr lang="he-IL" smtClean="0"/>
-              <a:t>ז'/אלול/תש"ף</a:t>
+              <a:t>ט"ז/אייר/תשפ"א</a:t>
             </a:fld>
             <a:endParaRPr lang="he-IL"/>
           </a:p>
@@ -3119,7 +3119,7 @@
           <a:p>
             <a:fld id="{77257F9A-95E0-45A8-A66F-07C2ED2FD12A}" type="datetimeFigureOut">
               <a:rPr lang="he-IL" smtClean="0"/>
-              <a:t>ז'/אלול/תש"ף</a:t>
+              <a:t>ט"ז/אייר/תשפ"א</a:t>
             </a:fld>
             <a:endParaRPr lang="he-IL"/>
           </a:p>
